--- a/基础PPT/第15章：Java网络编程.pptx
+++ b/基础PPT/第15章：Java网络编程.pptx
@@ -5,7 +5,7 @@
     <p:sldMasterId id="2147483648" r:id="rId1"/>
   </p:sldMasterIdLst>
   <p:notesMasterIdLst>
-    <p:notesMasterId r:id="rId13"/>
+    <p:notesMasterId r:id="rId11"/>
   </p:notesMasterIdLst>
   <p:sldIdLst>
     <p:sldId id="660" r:id="rId3"/>
@@ -14,10 +14,8 @@
     <p:sldId id="683" r:id="rId6"/>
     <p:sldId id="684" r:id="rId7"/>
     <p:sldId id="685" r:id="rId8"/>
-    <p:sldId id="686" r:id="rId9"/>
-    <p:sldId id="687" r:id="rId10"/>
-    <p:sldId id="688" r:id="rId11"/>
-    <p:sldId id="662" r:id="rId12"/>
+    <p:sldId id="688" r:id="rId9"/>
+    <p:sldId id="662" r:id="rId10"/>
   </p:sldIdLst>
   <p:sldSz cx="12192000" cy="6858000"/>
   <p:notesSz cx="6858000" cy="9144000"/>
@@ -6341,38 +6339,6 @@
 </p:sld>
 </file>
 
-<file path=ppt/slides/slide10.xml><?xml version="1.0" encoding="utf-8"?>
-<p:sld xmlns:a="http://schemas.openxmlformats.org/drawingml/2006/main" xmlns:r="http://schemas.openxmlformats.org/officeDocument/2006/relationships" xmlns:p="http://schemas.openxmlformats.org/presentationml/2006/main">
-  <p:cSld>
-    <p:bg>
-      <p:bgPr>
-        <a:blipFill rotWithShape="1">
-          <a:blip r:embed="rId1"/>
-          <a:stretch>
-            <a:fillRect/>
-          </a:stretch>
-        </a:blipFill>
-        <a:effectLst/>
-      </p:bgPr>
-    </p:bg>
-    <p:spTree>
-      <p:nvGrpSpPr>
-        <p:cNvPr id="1" name=""/>
-        <p:cNvGrpSpPr/>
-        <p:nvPr/>
-      </p:nvGrpSpPr>
-      <p:grpSpPr/>
-    </p:spTree>
-    <p:custDataLst>
-      <p:tags r:id="rId2"/>
-    </p:custDataLst>
-  </p:cSld>
-  <p:clrMapOvr>
-    <a:masterClrMapping/>
-  </p:clrMapOvr>
-</p:sld>
-</file>
-
 <file path=ppt/slides/slide2.xml><?xml version="1.0" encoding="utf-8"?>
 <p:sld xmlns:a="http://schemas.openxmlformats.org/drawingml/2006/main" xmlns:r="http://schemas.openxmlformats.org/officeDocument/2006/relationships" xmlns:p="http://schemas.openxmlformats.org/presentationml/2006/main">
   <p:cSld>
@@ -6402,8 +6368,8 @@
         </p:nvSpPr>
         <p:spPr>
           <a:xfrm>
-            <a:off x="4537710" y="502285"/>
-            <a:ext cx="3233420" cy="583565"/>
+            <a:off x="221615" y="502285"/>
+            <a:ext cx="11633835" cy="583565"/>
           </a:xfrm>
           <a:prstGeom prst="rect">
             <a:avLst/>
@@ -6415,28 +6381,29 @@
             <a:spAutoFit/>
           </a:bodyPr>
           <a:p>
+            <a:pPr algn="ctr"/>
             <a:r>
               <a:rPr lang="en-US" altLang="zh-CN" sz="3200">
-                <a:latin typeface="宋体" panose="02010600030101010101" pitchFamily="2" charset="-122"/>
-                <a:ea typeface="宋体" panose="02010600030101010101" pitchFamily="2" charset="-122"/>
-                <a:cs typeface="宋体" panose="02010600030101010101" pitchFamily="2" charset="-122"/>
+                <a:latin typeface="+mj-ea"/>
+                <a:ea typeface="+mj-ea"/>
+                <a:cs typeface="+mj-ea"/>
                 <a:sym typeface="+mn-ea"/>
               </a:rPr>
               <a:t>TCP/IP </a:t>
             </a:r>
             <a:r>
               <a:rPr lang="zh-CN" altLang="en-US" sz="3200">
-                <a:latin typeface="宋体" panose="02010600030101010101" pitchFamily="2" charset="-122"/>
-                <a:ea typeface="宋体" panose="02010600030101010101" pitchFamily="2" charset="-122"/>
-                <a:cs typeface="宋体" panose="02010600030101010101" pitchFamily="2" charset="-122"/>
+                <a:latin typeface="+mj-ea"/>
+                <a:ea typeface="+mj-ea"/>
+                <a:cs typeface="+mj-ea"/>
                 <a:sym typeface="+mn-ea"/>
               </a:rPr>
               <a:t>协议</a:t>
             </a:r>
             <a:endParaRPr lang="zh-CN" altLang="en-US" sz="3200">
-              <a:latin typeface="宋体" panose="02010600030101010101" pitchFamily="2" charset="-122"/>
-              <a:ea typeface="宋体" panose="02010600030101010101" pitchFamily="2" charset="-122"/>
-              <a:cs typeface="宋体" panose="02010600030101010101" pitchFamily="2" charset="-122"/>
+              <a:latin typeface="+mj-ea"/>
+              <a:ea typeface="+mj-ea"/>
+              <a:cs typeface="+mj-ea"/>
               <a:sym typeface="+mn-ea"/>
             </a:endParaRPr>
           </a:p>
@@ -6509,7 +6476,7 @@
               <a:t>但是简单的连到一起是远远不够的，就好像语言不同的两个人互相见了面，完全不能交流信息。因而他们需要定义一些共通的东西来进行交流，TCP/IP就是为此而生。</a:t>
             </a:r>
             <a:r>
-              <a:rPr lang="zh-CN" altLang="en-US" sz="1600">
+              <a:rPr lang="zh-CN" altLang="en-US" sz="1600" b="1">
                 <a:solidFill>
                   <a:srgbClr val="FF0000"/>
                 </a:solidFill>
@@ -6720,7 +6687,7 @@
         </p:nvSpPr>
         <p:spPr>
           <a:xfrm>
-            <a:off x="139700" y="909955"/>
+            <a:off x="139700" y="1043305"/>
             <a:ext cx="11912600" cy="5754370"/>
           </a:xfrm>
           <a:prstGeom prst="rect">
@@ -6742,7 +6709,7 @@
               <a:t>TCP和UDP协议是TCP/IP协议的核心。 TCP 传输协议：TCP 协议是一TCP (Transmission Control Protocol)和UDP(User Datagram Protocol)协议属于传输层协议。其中TCP提供IP环境下的数据可靠传输，它提供的服务包括数据流传送、可靠性、有效流控、全双工操作和多路复用。通过面向连接、端到端和可靠的数据包发送。通俗说，它是事先为所发送的数据开辟出连接好的通道，然后再进行数据发送；而UDP则不为IP提供可靠性、流控或差错恢复功能。一般来说，</a:t>
             </a:r>
             <a:r>
-              <a:rPr lang="zh-CN" altLang="en-US" sz="1600">
+              <a:rPr lang="zh-CN" altLang="en-US" sz="1600" b="1">
                 <a:solidFill>
                   <a:srgbClr val="FF0000"/>
                 </a:solidFill>
@@ -6753,13 +6720,20 @@
               <a:t>TCP对应的是可靠性要求高的应用，而UDP对应的则是可靠性要求低、传输经济的应用</a:t>
             </a:r>
             <a:r>
-              <a:rPr lang="zh-CN" altLang="en-US" sz="1600">
+              <a:rPr lang="zh-CN" altLang="en-US" sz="1600" b="1">
                 <a:latin typeface="宋体" panose="02010600030101010101" pitchFamily="2" charset="-122"/>
                 <a:ea typeface="宋体" panose="02010600030101010101" pitchFamily="2" charset="-122"/>
                 <a:cs typeface="宋体" panose="02010600030101010101" pitchFamily="2" charset="-122"/>
               </a:rPr>
               <a:t>。</a:t>
             </a:r>
+            <a:endParaRPr lang="zh-CN" altLang="en-US" sz="1600" b="1">
+              <a:latin typeface="宋体" panose="02010600030101010101" pitchFamily="2" charset="-122"/>
+              <a:ea typeface="宋体" panose="02010600030101010101" pitchFamily="2" charset="-122"/>
+              <a:cs typeface="宋体" panose="02010600030101010101" pitchFamily="2" charset="-122"/>
+            </a:endParaRPr>
+          </a:p>
+          <a:p>
             <a:endParaRPr lang="zh-CN" altLang="en-US" sz="1600">
               <a:latin typeface="宋体" panose="02010600030101010101" pitchFamily="2" charset="-122"/>
               <a:ea typeface="宋体" panose="02010600030101010101" pitchFamily="2" charset="-122"/>
@@ -6767,6 +6741,14 @@
             </a:endParaRPr>
           </a:p>
           <a:p>
+            <a:r>
+              <a:rPr lang="zh-CN" altLang="en-US" sz="1600">
+                <a:latin typeface="宋体" panose="02010600030101010101" pitchFamily="2" charset="-122"/>
+                <a:ea typeface="宋体" panose="02010600030101010101" pitchFamily="2" charset="-122"/>
+                <a:cs typeface="宋体" panose="02010600030101010101" pitchFamily="2" charset="-122"/>
+              </a:rPr>
+              <a:t>Java语言从一开始就是为了互联网而设计的，它为实现程序的相互通信提供了许多有用API，这类应用编程接口被称为套接字(Socket)。</a:t>
+            </a:r>
             <a:endParaRPr lang="zh-CN" altLang="en-US" sz="1600">
               <a:latin typeface="宋体" panose="02010600030101010101" pitchFamily="2" charset="-122"/>
               <a:ea typeface="宋体" panose="02010600030101010101" pitchFamily="2" charset="-122"/>
@@ -6774,14 +6756,6 @@
             </a:endParaRPr>
           </a:p>
           <a:p>
-            <a:r>
-              <a:rPr lang="zh-CN" altLang="en-US" sz="1600">
-                <a:latin typeface="宋体" panose="02010600030101010101" pitchFamily="2" charset="-122"/>
-                <a:ea typeface="宋体" panose="02010600030101010101" pitchFamily="2" charset="-122"/>
-                <a:cs typeface="宋体" panose="02010600030101010101" pitchFamily="2" charset="-122"/>
-              </a:rPr>
-              <a:t>Java语言从一开始就是为了互联网而设计的，它为实现程序的相互通信提供了许多有用API，这类应用编程接口被称为套接字(Socket)。</a:t>
-            </a:r>
             <a:endParaRPr lang="zh-CN" altLang="en-US" sz="1600">
               <a:latin typeface="宋体" panose="02010600030101010101" pitchFamily="2" charset="-122"/>
               <a:ea typeface="宋体" panose="02010600030101010101" pitchFamily="2" charset="-122"/>
@@ -6789,20 +6763,24 @@
             </a:endParaRPr>
           </a:p>
           <a:p>
-            <a:endParaRPr lang="zh-CN" altLang="en-US" sz="1600">
-              <a:latin typeface="宋体" panose="02010600030101010101" pitchFamily="2" charset="-122"/>
-              <a:ea typeface="宋体" panose="02010600030101010101" pitchFamily="2" charset="-122"/>
-              <a:cs typeface="宋体" panose="02010600030101010101" pitchFamily="2" charset="-122"/>
-            </a:endParaRPr>
-          </a:p>
-          <a:p>
+            <a:r>
+              <a:rPr lang="zh-CN" altLang="en-US" sz="1600" b="1">
+                <a:solidFill>
+                  <a:srgbClr val="FF0000"/>
+                </a:solidFill>
+                <a:latin typeface="宋体" panose="02010600030101010101" pitchFamily="2" charset="-122"/>
+                <a:ea typeface="宋体" panose="02010600030101010101" pitchFamily="2" charset="-122"/>
+                <a:cs typeface="宋体" panose="02010600030101010101" pitchFamily="2" charset="-122"/>
+              </a:rPr>
+              <a:t>socket可以使一个应用从网络中读取和写入数据</a:t>
+            </a:r>
             <a:r>
               <a:rPr lang="zh-CN" altLang="en-US" sz="1600">
                 <a:latin typeface="宋体" panose="02010600030101010101" pitchFamily="2" charset="-122"/>
                 <a:ea typeface="宋体" panose="02010600030101010101" pitchFamily="2" charset="-122"/>
                 <a:cs typeface="宋体" panose="02010600030101010101" pitchFamily="2" charset="-122"/>
               </a:rPr>
-              <a:t>socket可以使一个应用从网络中读取和写入数据，不同计算机上的两个应用可以通过连接发送和接受字节流，当发送消息时，你需要知道对方的ip和端口，在java中，socket指的是java.net.Socket类。 </a:t>
+              <a:t>，不同计算机上的两个应用可以通过连接发送和接受字节流，当发送消息时，你需要知道对方的ip和端口，在java中，socket指的是java.net.Socket类。 </a:t>
             </a:r>
             <a:endParaRPr lang="zh-CN" altLang="en-US" sz="1600">
               <a:latin typeface="宋体" panose="02010600030101010101" pitchFamily="2" charset="-122"/>
@@ -6927,6 +6905,55 @@
               <a:latin typeface="宋体" panose="02010600030101010101" pitchFamily="2" charset="-122"/>
               <a:ea typeface="宋体" panose="02010600030101010101" pitchFamily="2" charset="-122"/>
               <a:cs typeface="宋体" panose="02010600030101010101" pitchFamily="2" charset="-122"/>
+            </a:endParaRPr>
+          </a:p>
+        </p:txBody>
+      </p:sp>
+      <p:sp>
+        <p:nvSpPr>
+          <p:cNvPr id="6" name="文本框 5"/>
+          <p:cNvSpPr txBox="1"/>
+          <p:nvPr/>
+        </p:nvSpPr>
+        <p:spPr>
+          <a:xfrm>
+            <a:off x="221615" y="502285"/>
+            <a:ext cx="11633835" cy="583565"/>
+          </a:xfrm>
+          <a:prstGeom prst="rect">
+            <a:avLst/>
+          </a:prstGeom>
+          <a:noFill/>
+        </p:spPr>
+        <p:txBody>
+          <a:bodyPr wrap="square" rtlCol="0">
+            <a:spAutoFit/>
+          </a:bodyPr>
+          <a:p>
+            <a:pPr algn="ctr"/>
+            <a:r>
+              <a:rPr lang="en-US" altLang="zh-CN" sz="3200">
+                <a:latin typeface="+mj-ea"/>
+                <a:ea typeface="+mj-ea"/>
+                <a:cs typeface="+mj-ea"/>
+                <a:sym typeface="+mn-ea"/>
+              </a:rPr>
+              <a:t>TCP </a:t>
+            </a:r>
+            <a:r>
+              <a:rPr lang="zh-CN" altLang="en-US" sz="3200">
+                <a:latin typeface="+mj-ea"/>
+                <a:ea typeface="+mj-ea"/>
+                <a:cs typeface="+mj-ea"/>
+                <a:sym typeface="+mn-ea"/>
+              </a:rPr>
+              <a:t>通信</a:t>
+            </a:r>
+            <a:endParaRPr lang="zh-CN" altLang="en-US" sz="3200">
+              <a:latin typeface="+mj-ea"/>
+              <a:ea typeface="+mj-ea"/>
+              <a:cs typeface="+mj-ea"/>
+              <a:sym typeface="+mn-ea"/>
             </a:endParaRPr>
           </a:p>
         </p:txBody>
@@ -7051,8 +7078,8 @@
         </p:nvSpPr>
         <p:spPr>
           <a:xfrm>
-            <a:off x="129540" y="791845"/>
-            <a:ext cx="11931015" cy="4030980"/>
+            <a:off x="73025" y="1159510"/>
+            <a:ext cx="11931015" cy="5354320"/>
           </a:xfrm>
           <a:prstGeom prst="rect">
             <a:avLst/>
@@ -7065,7 +7092,7 @@
           </a:bodyPr>
           <a:p>
             <a:r>
-              <a:rPr lang="zh-CN" altLang="en-US" sz="1600" dirty="0">
+              <a:rPr lang="zh-CN" altLang="en-US" dirty="0">
                 <a:solidFill>
                   <a:schemeClr val="tx1"/>
                 </a:solidFill>
@@ -7074,10 +7101,21 @@
                 <a:cs typeface="宋体" panose="02010600030101010101" pitchFamily="2" charset="-122"/>
                 <a:sym typeface="+mn-ea"/>
               </a:rPr>
-              <a:t> </a:t>
-            </a:r>
-            <a:r>
-              <a:rPr lang="en-US" altLang="zh-CN" sz="1600" dirty="0">
+              <a:t>UDP 协议是用户数据报协议的简称</a:t>
+            </a:r>
+            <a:endParaRPr lang="zh-CN" altLang="en-US" dirty="0">
+              <a:solidFill>
+                <a:schemeClr val="tx1"/>
+              </a:solidFill>
+              <a:latin typeface="宋体" panose="02010600030101010101" pitchFamily="2" charset="-122"/>
+              <a:ea typeface="宋体" panose="02010600030101010101" pitchFamily="2" charset="-122"/>
+              <a:cs typeface="宋体" panose="02010600030101010101" pitchFamily="2" charset="-122"/>
+              <a:sym typeface="+mn-ea"/>
+            </a:endParaRPr>
+          </a:p>
+          <a:p>
+            <a:r>
+              <a:rPr lang="zh-CN" altLang="en-US" dirty="0">
                 <a:solidFill>
                   <a:schemeClr val="tx1"/>
                 </a:solidFill>
@@ -7086,10 +7124,21 @@
                 <a:cs typeface="宋体" panose="02010600030101010101" pitchFamily="2" charset="-122"/>
                 <a:sym typeface="+mn-ea"/>
               </a:rPr>
-              <a:t>UDP</a:t>
-            </a:r>
-            <a:r>
-              <a:rPr lang="zh-CN" altLang="en-US" sz="1600" dirty="0">
+              <a:t> </a:t>
+            </a:r>
+            <a:endParaRPr lang="zh-CN" altLang="en-US" dirty="0">
+              <a:solidFill>
+                <a:schemeClr val="tx1"/>
+              </a:solidFill>
+              <a:latin typeface="宋体" panose="02010600030101010101" pitchFamily="2" charset="-122"/>
+              <a:ea typeface="宋体" panose="02010600030101010101" pitchFamily="2" charset="-122"/>
+              <a:cs typeface="宋体" panose="02010600030101010101" pitchFamily="2" charset="-122"/>
+              <a:sym typeface="+mn-ea"/>
+            </a:endParaRPr>
+          </a:p>
+          <a:p>
+            <a:r>
+              <a:rPr lang="en-US" altLang="zh-CN" dirty="0">
                 <a:solidFill>
                   <a:schemeClr val="tx1"/>
                 </a:solidFill>
@@ -7098,20 +7147,32 @@
                 <a:cs typeface="宋体" panose="02010600030101010101" pitchFamily="2" charset="-122"/>
                 <a:sym typeface="+mn-ea"/>
               </a:rPr>
-              <a:t>通信：</a:t>
-            </a:r>
-            <a:r>
-              <a:rPr lang="zh-CN" altLang="en-US" sz="1600">
+              <a:t>UDP</a:t>
+            </a:r>
+            <a:r>
+              <a:rPr lang="zh-CN" altLang="en-US" dirty="0">
                 <a:solidFill>
                   <a:schemeClr val="tx1"/>
                 </a:solidFill>
                 <a:latin typeface="宋体" panose="02010600030101010101" pitchFamily="2" charset="-122"/>
                 <a:ea typeface="宋体" panose="02010600030101010101" pitchFamily="2" charset="-122"/>
                 <a:cs typeface="宋体" panose="02010600030101010101" pitchFamily="2" charset="-122"/>
+                <a:sym typeface="+mn-ea"/>
+              </a:rPr>
+              <a:t>通信：</a:t>
+            </a:r>
+            <a:r>
+              <a:rPr lang="zh-CN" altLang="en-US">
+                <a:solidFill>
+                  <a:schemeClr val="tx1"/>
+                </a:solidFill>
+                <a:latin typeface="宋体" panose="02010600030101010101" pitchFamily="2" charset="-122"/>
+                <a:ea typeface="宋体" panose="02010600030101010101" pitchFamily="2" charset="-122"/>
+                <a:cs typeface="宋体" panose="02010600030101010101" pitchFamily="2" charset="-122"/>
               </a:rPr>
               <a:t>速度比较快,但由于不建立连接,不能保证所有数据都能送到目的地.所以一般用于传送非关键性的数据.</a:t>
             </a:r>
-            <a:endParaRPr lang="zh-CN" altLang="en-US" sz="1600">
+            <a:endParaRPr lang="zh-CN" altLang="en-US">
               <a:solidFill>
                 <a:schemeClr val="tx1"/>
               </a:solidFill>
@@ -7122,7 +7183,7 @@
           </a:p>
           <a:p>
             <a:r>
-              <a:rPr lang="zh-CN" altLang="en-US" sz="1600">
+              <a:rPr lang="zh-CN" altLang="en-US">
                 <a:solidFill>
                   <a:schemeClr val="tx1"/>
                 </a:solidFill>
@@ -7130,9 +7191,31 @@
                 <a:ea typeface="宋体" panose="02010600030101010101" pitchFamily="2" charset="-122"/>
                 <a:cs typeface="宋体" panose="02010600030101010101" pitchFamily="2" charset="-122"/>
               </a:rPr>
-              <a:t>(接收端为空的数组,发送端为有数据的数组,客户端和服务端唯一差别就是参数不同)</a:t>
-            </a:r>
-            <a:endParaRPr lang="zh-CN" altLang="en-US" sz="1600">
+              <a:t>(接收端为空的数组,发送端为有数据的数组,</a:t>
+            </a:r>
+            <a:r>
+              <a:rPr lang="zh-CN" altLang="en-US" b="1">
+                <a:solidFill>
+                  <a:srgbClr val="FF0000"/>
+                </a:solidFill>
+                <a:latin typeface="宋体" panose="02010600030101010101" pitchFamily="2" charset="-122"/>
+                <a:ea typeface="宋体" panose="02010600030101010101" pitchFamily="2" charset="-122"/>
+                <a:cs typeface="宋体" panose="02010600030101010101" pitchFamily="2" charset="-122"/>
+              </a:rPr>
+              <a:t>客户端和服务端唯一差别就是参数不同</a:t>
+            </a:r>
+            <a:r>
+              <a:rPr lang="zh-CN" altLang="en-US">
+                <a:solidFill>
+                  <a:schemeClr val="tx1"/>
+                </a:solidFill>
+                <a:latin typeface="宋体" panose="02010600030101010101" pitchFamily="2" charset="-122"/>
+                <a:ea typeface="宋体" panose="02010600030101010101" pitchFamily="2" charset="-122"/>
+                <a:cs typeface="宋体" panose="02010600030101010101" pitchFamily="2" charset="-122"/>
+              </a:rPr>
+              <a:t>)</a:t>
+            </a:r>
+            <a:endParaRPr lang="zh-CN" altLang="en-US">
               <a:solidFill>
                 <a:schemeClr val="tx1"/>
               </a:solidFill>
@@ -7143,7 +7226,7 @@
           </a:p>
           <a:p>
             <a:r>
-              <a:rPr lang="zh-CN" altLang="en-US" sz="1600">
+              <a:rPr lang="zh-CN" altLang="en-US">
                 <a:solidFill>
                   <a:schemeClr val="tx1"/>
                 </a:solidFill>
@@ -7153,7 +7236,7 @@
               </a:rPr>
               <a:t>DatagramPacket(信封)</a:t>
             </a:r>
-            <a:endParaRPr lang="zh-CN" altLang="en-US" sz="1600">
+            <a:endParaRPr lang="zh-CN" altLang="en-US">
               <a:solidFill>
                 <a:schemeClr val="tx1"/>
               </a:solidFill>
@@ -7164,7 +7247,7 @@
           </a:p>
           <a:p>
             <a:r>
-              <a:rPr lang="zh-CN" altLang="en-US" sz="1600">
+              <a:rPr lang="zh-CN" altLang="en-US">
                 <a:solidFill>
                   <a:schemeClr val="tx1"/>
                 </a:solidFill>
@@ -7174,7 +7257,7 @@
               </a:rPr>
               <a:t>DatagramPacket：UDP数据报基于IP建立的,每台主机有65536个端口号可以使用。数据报中字节数限制为65536-8 。包含8字节的头信息。</a:t>
             </a:r>
-            <a:endParaRPr lang="zh-CN" altLang="en-US" sz="1600">
+            <a:endParaRPr lang="zh-CN" altLang="en-US">
               <a:solidFill>
                 <a:schemeClr val="tx1"/>
               </a:solidFill>
@@ -7185,7 +7268,7 @@
           </a:p>
           <a:p>
             <a:r>
-              <a:rPr lang="zh-CN" altLang="en-US" sz="1600">
+              <a:rPr lang="zh-CN" altLang="en-US">
                 <a:solidFill>
                   <a:schemeClr val="tx1"/>
                 </a:solidFill>
@@ -7195,7 +7278,7 @@
               </a:rPr>
               <a:t>构造接收包:</a:t>
             </a:r>
-            <a:endParaRPr lang="zh-CN" altLang="en-US" sz="1600">
+            <a:endParaRPr lang="zh-CN" altLang="en-US">
               <a:solidFill>
                 <a:schemeClr val="tx1"/>
               </a:solidFill>
@@ -7206,7 +7289,7 @@
           </a:p>
           <a:p>
             <a:r>
-              <a:rPr lang="zh-CN" altLang="en-US" sz="1600">
+              <a:rPr lang="zh-CN" altLang="en-US">
                 <a:solidFill>
                   <a:schemeClr val="tx1"/>
                 </a:solidFill>
@@ -7216,7 +7299,7 @@
               </a:rPr>
               <a:t>    DatagramPacket(byte[] buf, int length)</a:t>
             </a:r>
-            <a:endParaRPr lang="zh-CN" altLang="en-US" sz="1600">
+            <a:endParaRPr lang="zh-CN" altLang="en-US">
               <a:solidFill>
                 <a:schemeClr val="tx1"/>
               </a:solidFill>
@@ -7227,7 +7310,7 @@
           </a:p>
           <a:p>
             <a:r>
-              <a:rPr lang="zh-CN" altLang="en-US" sz="1600">
+              <a:rPr lang="zh-CN" altLang="en-US">
                 <a:solidFill>
                   <a:schemeClr val="tx1"/>
                 </a:solidFill>
@@ -7237,7 +7320,7 @@
               </a:rPr>
               <a:t>将数据包中Length长的数据装进Buf数组。</a:t>
             </a:r>
-            <a:endParaRPr lang="zh-CN" altLang="en-US" sz="1600">
+            <a:endParaRPr lang="zh-CN" altLang="en-US">
               <a:solidFill>
                 <a:schemeClr val="tx1"/>
               </a:solidFill>
@@ -7248,7 +7331,7 @@
           </a:p>
           <a:p>
             <a:r>
-              <a:rPr lang="zh-CN" altLang="en-US" sz="1600">
+              <a:rPr lang="zh-CN" altLang="en-US">
                 <a:solidFill>
                   <a:schemeClr val="tx1"/>
                 </a:solidFill>
@@ -7258,7 +7341,7 @@
               </a:rPr>
               <a:t>    DatagramPacket(byte[] buf, int offset, int length) </a:t>
             </a:r>
-            <a:endParaRPr lang="zh-CN" altLang="en-US" sz="1600">
+            <a:endParaRPr lang="zh-CN" altLang="en-US">
               <a:solidFill>
                 <a:schemeClr val="tx1"/>
               </a:solidFill>
@@ -7269,7 +7352,7 @@
           </a:p>
           <a:p>
             <a:r>
-              <a:rPr lang="zh-CN" altLang="en-US" sz="1600">
+              <a:rPr lang="zh-CN" altLang="en-US">
                 <a:solidFill>
                   <a:schemeClr val="tx1"/>
                 </a:solidFill>
@@ -7279,7 +7362,7 @@
               </a:rPr>
               <a:t>将数据包中从Offset开始、Length长的数据装进Buf数组。</a:t>
             </a:r>
-            <a:endParaRPr lang="zh-CN" altLang="en-US" sz="1600">
+            <a:endParaRPr lang="zh-CN" altLang="en-US">
               <a:solidFill>
                 <a:schemeClr val="tx1"/>
               </a:solidFill>
@@ -7290,7 +7373,7 @@
           </a:p>
           <a:p>
             <a:r>
-              <a:rPr lang="zh-CN" altLang="en-US" sz="1600">
+              <a:rPr lang="zh-CN" altLang="en-US">
                 <a:solidFill>
                   <a:schemeClr val="tx1"/>
                 </a:solidFill>
@@ -7300,7 +7383,7 @@
               </a:rPr>
               <a:t>构造发送包:</a:t>
             </a:r>
-            <a:endParaRPr lang="zh-CN" altLang="en-US" sz="1600">
+            <a:endParaRPr lang="zh-CN" altLang="en-US">
               <a:solidFill>
                 <a:schemeClr val="tx1"/>
               </a:solidFill>
@@ -7311,7 +7394,7 @@
           </a:p>
           <a:p>
             <a:r>
-              <a:rPr lang="zh-CN" altLang="en-US" sz="1600">
+              <a:rPr lang="zh-CN" altLang="en-US">
                 <a:solidFill>
                   <a:schemeClr val="tx1"/>
                 </a:solidFill>
@@ -7321,7 +7404,7 @@
               </a:rPr>
               <a:t>    DatagramPacket(byte[] buf, int length, InetAddress clientAddress, int clientPort)</a:t>
             </a:r>
-            <a:endParaRPr lang="zh-CN" altLang="en-US" sz="1600">
+            <a:endParaRPr lang="zh-CN" altLang="en-US">
               <a:solidFill>
                 <a:schemeClr val="tx1"/>
               </a:solidFill>
@@ -7332,7 +7415,7 @@
           </a:p>
           <a:p>
             <a:r>
-              <a:rPr lang="zh-CN" altLang="en-US" sz="1600">
+              <a:rPr lang="zh-CN" altLang="en-US">
                 <a:solidFill>
                   <a:schemeClr val="tx1"/>
                 </a:solidFill>
@@ -7342,7 +7425,7 @@
               </a:rPr>
               <a:t>从Buf数组中，取出Length长的数据创建数据包对象，目标是clientAddress地址，clientPort端口,通常用来发送数据给客户端。</a:t>
             </a:r>
-            <a:endParaRPr lang="zh-CN" altLang="en-US" sz="1600">
+            <a:endParaRPr lang="zh-CN" altLang="en-US">
               <a:solidFill>
                 <a:schemeClr val="tx1"/>
               </a:solidFill>
@@ -7353,7 +7436,7 @@
           </a:p>
           <a:p>
             <a:r>
-              <a:rPr lang="zh-CN" altLang="en-US" sz="1600">
+              <a:rPr lang="zh-CN" altLang="en-US">
                 <a:solidFill>
                   <a:schemeClr val="tx1"/>
                 </a:solidFill>
@@ -7363,7 +7446,7 @@
               </a:rPr>
               <a:t>    DatagramPacket(byte[] buf, int offset, int length, InetAddress clientAddress, int clientPort)</a:t>
             </a:r>
-            <a:endParaRPr lang="zh-CN" altLang="en-US" sz="1600">
+            <a:endParaRPr lang="zh-CN" altLang="en-US">
               <a:solidFill>
                 <a:schemeClr val="tx1"/>
               </a:solidFill>
@@ -7374,7 +7457,7 @@
           </a:p>
           <a:p>
             <a:r>
-              <a:rPr lang="zh-CN" altLang="en-US" sz="1600">
+              <a:rPr lang="zh-CN" altLang="en-US">
                 <a:solidFill>
                   <a:schemeClr val="tx1"/>
                 </a:solidFill>
@@ -7384,13 +7467,62 @@
               </a:rPr>
               <a:t>从Buf数组中，取出Offset开始的、Length长的数据创建数据包对象，目标是clientAddress地址，clientPort端口，通常用来发送数据给客户端。</a:t>
             </a:r>
-            <a:endParaRPr lang="zh-CN" altLang="en-US" sz="1600">
+            <a:endParaRPr lang="zh-CN" altLang="en-US">
               <a:solidFill>
                 <a:schemeClr val="tx1"/>
               </a:solidFill>
               <a:latin typeface="宋体" panose="02010600030101010101" pitchFamily="2" charset="-122"/>
               <a:ea typeface="宋体" panose="02010600030101010101" pitchFamily="2" charset="-122"/>
               <a:cs typeface="宋体" panose="02010600030101010101" pitchFamily="2" charset="-122"/>
+            </a:endParaRPr>
+          </a:p>
+        </p:txBody>
+      </p:sp>
+      <p:sp>
+        <p:nvSpPr>
+          <p:cNvPr id="6" name="文本框 5"/>
+          <p:cNvSpPr txBox="1"/>
+          <p:nvPr/>
+        </p:nvSpPr>
+        <p:spPr>
+          <a:xfrm>
+            <a:off x="221615" y="502285"/>
+            <a:ext cx="11633835" cy="583565"/>
+          </a:xfrm>
+          <a:prstGeom prst="rect">
+            <a:avLst/>
+          </a:prstGeom>
+          <a:noFill/>
+        </p:spPr>
+        <p:txBody>
+          <a:bodyPr wrap="square" rtlCol="0">
+            <a:spAutoFit/>
+          </a:bodyPr>
+          <a:p>
+            <a:pPr algn="ctr"/>
+            <a:r>
+              <a:rPr lang="en-US" sz="3200">
+                <a:latin typeface="+mj-ea"/>
+                <a:ea typeface="+mj-ea"/>
+                <a:cs typeface="+mj-ea"/>
+                <a:sym typeface="+mn-ea"/>
+              </a:rPr>
+              <a:t>UDP </a:t>
+            </a:r>
+            <a:r>
+              <a:rPr lang="zh-CN" altLang="en-US" sz="3200">
+                <a:latin typeface="+mj-ea"/>
+                <a:ea typeface="+mj-ea"/>
+                <a:cs typeface="+mj-ea"/>
+                <a:sym typeface="+mn-ea"/>
+              </a:rPr>
+              <a:t>通信</a:t>
+            </a:r>
+            <a:endParaRPr lang="zh-CN" altLang="en-US" sz="3200">
+              <a:latin typeface="+mj-ea"/>
+              <a:ea typeface="+mj-ea"/>
+              <a:cs typeface="+mj-ea"/>
+              <a:sym typeface="+mn-ea"/>
             </a:endParaRPr>
           </a:p>
         </p:txBody>
@@ -7436,7 +7568,7 @@
         <p:spPr>
           <a:xfrm>
             <a:off x="193675" y="810260"/>
-            <a:ext cx="11666220" cy="4030980"/>
+            <a:ext cx="11666220" cy="4523105"/>
           </a:xfrm>
           <a:prstGeom prst="rect">
             <a:avLst/>
@@ -7449,7 +7581,7 @@
           </a:bodyPr>
           <a:p>
             <a:r>
-              <a:rPr lang="zh-CN" altLang="en-US" sz="1600" dirty="0">
+              <a:rPr lang="zh-CN" altLang="en-US" dirty="0">
                 <a:solidFill>
                   <a:schemeClr val="tx1"/>
                 </a:solidFill>
@@ -7460,7 +7592,7 @@
               </a:rPr>
               <a:t>DatagramSocket(信箱)</a:t>
             </a:r>
-            <a:endParaRPr lang="zh-CN" altLang="en-US" sz="1600" dirty="0">
+            <a:endParaRPr lang="zh-CN" altLang="en-US" dirty="0">
               <a:solidFill>
                 <a:schemeClr val="tx1"/>
               </a:solidFill>
@@ -7471,7 +7603,7 @@
           </a:p>
           <a:p>
             <a:r>
-              <a:rPr lang="zh-CN" altLang="en-US" sz="1600" dirty="0">
+              <a:rPr lang="zh-CN" altLang="en-US" dirty="0">
                 <a:solidFill>
                   <a:schemeClr val="tx1"/>
                 </a:solidFill>
@@ -7482,7 +7614,7 @@
               </a:rPr>
               <a:t>服务端接收</a:t>
             </a:r>
-            <a:endParaRPr lang="zh-CN" altLang="en-US" sz="1600" dirty="0">
+            <a:endParaRPr lang="zh-CN" altLang="en-US" dirty="0">
               <a:solidFill>
                 <a:schemeClr val="tx1"/>
               </a:solidFill>
@@ -7493,7 +7625,7 @@
           </a:p>
           <a:p>
             <a:r>
-              <a:rPr lang="zh-CN" altLang="en-US" sz="1600" dirty="0">
+              <a:rPr lang="zh-CN" altLang="en-US" dirty="0">
                 <a:solidFill>
                   <a:schemeClr val="tx1"/>
                 </a:solidFill>
@@ -7504,7 +7636,7 @@
               </a:rPr>
               <a:t>DatagramSocke用于接收和发送UDP的Socket实例 。</a:t>
             </a:r>
-            <a:endParaRPr lang="zh-CN" altLang="en-US" sz="1600" dirty="0">
+            <a:endParaRPr lang="zh-CN" altLang="en-US" dirty="0">
               <a:solidFill>
                 <a:schemeClr val="tx1"/>
               </a:solidFill>
@@ -7515,7 +7647,7 @@
           </a:p>
           <a:p>
             <a:r>
-              <a:rPr lang="zh-CN" altLang="en-US" sz="1600" dirty="0">
+              <a:rPr lang="zh-CN" altLang="en-US" dirty="0">
                 <a:solidFill>
                   <a:schemeClr val="tx1"/>
                 </a:solidFill>
@@ -7526,7 +7658,7 @@
               </a:rPr>
               <a:t>    DatagramSocket(int port)</a:t>
             </a:r>
-            <a:endParaRPr lang="zh-CN" altLang="en-US" sz="1600" dirty="0">
+            <a:endParaRPr lang="zh-CN" altLang="en-US" dirty="0">
               <a:solidFill>
                 <a:schemeClr val="tx1"/>
               </a:solidFill>
@@ -7537,7 +7669,7 @@
           </a:p>
           <a:p>
             <a:r>
-              <a:rPr lang="zh-CN" altLang="en-US" sz="1600" dirty="0">
+              <a:rPr lang="zh-CN" altLang="en-US" dirty="0">
                 <a:solidFill>
                   <a:schemeClr val="tx1"/>
                 </a:solidFill>
@@ -7548,7 +7680,7 @@
               </a:rPr>
               <a:t>创建实例，并固定监听Port端口的报文。通常用于服务端。</a:t>
             </a:r>
-            <a:endParaRPr lang="zh-CN" altLang="en-US" sz="1600" dirty="0">
+            <a:endParaRPr lang="zh-CN" altLang="en-US" dirty="0">
               <a:solidFill>
                 <a:schemeClr val="tx1"/>
               </a:solidFill>
@@ -7559,7 +7691,7 @@
           </a:p>
           <a:p>
             <a:r>
-              <a:rPr lang="zh-CN" altLang="en-US" sz="1600" dirty="0">
+              <a:rPr lang="zh-CN" altLang="en-US" dirty="0">
                 <a:solidFill>
                   <a:schemeClr val="tx1"/>
                 </a:solidFill>
@@ -7570,7 +7702,7 @@
               </a:rPr>
               <a:t>其中方法:</a:t>
             </a:r>
-            <a:endParaRPr lang="zh-CN" altLang="en-US" sz="1600" dirty="0">
+            <a:endParaRPr lang="zh-CN" altLang="en-US" dirty="0">
               <a:solidFill>
                 <a:schemeClr val="tx1"/>
               </a:solidFill>
@@ -7581,7 +7713,7 @@
           </a:p>
           <a:p>
             <a:r>
-              <a:rPr lang="zh-CN" altLang="en-US" sz="1600" dirty="0">
+              <a:rPr lang="zh-CN" altLang="en-US" dirty="0">
                 <a:solidFill>
                   <a:schemeClr val="tx1"/>
                 </a:solidFill>
@@ -7592,7 +7724,7 @@
               </a:rPr>
               <a:t>       receive(DatagramPacket d)		信箱接收信包</a:t>
             </a:r>
-            <a:endParaRPr lang="zh-CN" altLang="en-US" sz="1600" dirty="0">
+            <a:endParaRPr lang="zh-CN" altLang="en-US" dirty="0">
               <a:solidFill>
                 <a:schemeClr val="tx1"/>
               </a:solidFill>
@@ -7603,7 +7735,7 @@
           </a:p>
           <a:p>
             <a:r>
-              <a:rPr lang="zh-CN" altLang="en-US" sz="1600" dirty="0">
+              <a:rPr lang="zh-CN" altLang="en-US" dirty="0">
                 <a:solidFill>
                   <a:schemeClr val="tx1"/>
                 </a:solidFill>
@@ -7614,7 +7746,7 @@
               </a:rPr>
               <a:t>接收数据报文到d中。receive方法产生 “阻塞”。会一直等待直到有数据被读取到。</a:t>
             </a:r>
-            <a:endParaRPr lang="zh-CN" altLang="en-US" sz="1600" dirty="0">
+            <a:endParaRPr lang="zh-CN" altLang="en-US" dirty="0">
               <a:solidFill>
                 <a:schemeClr val="tx1"/>
               </a:solidFill>
@@ -7625,7 +7757,7 @@
           </a:p>
           <a:p>
             <a:r>
-              <a:rPr lang="zh-CN" altLang="en-US" sz="1600" dirty="0">
+              <a:rPr lang="zh-CN" altLang="en-US" dirty="0">
                 <a:solidFill>
                   <a:schemeClr val="tx1"/>
                 </a:solidFill>
@@ -7636,7 +7768,7 @@
               </a:rPr>
               <a:t> 客户端发送</a:t>
             </a:r>
-            <a:endParaRPr lang="zh-CN" altLang="en-US" sz="1600" dirty="0">
+            <a:endParaRPr lang="zh-CN" altLang="en-US" dirty="0">
               <a:solidFill>
                 <a:schemeClr val="tx1"/>
               </a:solidFill>
@@ -7647,7 +7779,7 @@
           </a:p>
           <a:p>
             <a:r>
-              <a:rPr lang="zh-CN" altLang="en-US" sz="1600" dirty="0">
+              <a:rPr lang="zh-CN" altLang="en-US" dirty="0">
                 <a:solidFill>
                   <a:schemeClr val="tx1"/>
                 </a:solidFill>
@@ -7658,7 +7790,7 @@
               </a:rPr>
               <a:t>无参的构造方法DatagramSocket()通常用于客户端编程，它并没有特定监听的端口，仅仅使用一个临时的。程序会让操作系统分配一个可用的端口。</a:t>
             </a:r>
-            <a:endParaRPr lang="zh-CN" altLang="en-US" sz="1600" dirty="0">
+            <a:endParaRPr lang="zh-CN" altLang="en-US" dirty="0">
               <a:solidFill>
                 <a:schemeClr val="tx1"/>
               </a:solidFill>
@@ -7669,7 +7801,7 @@
           </a:p>
           <a:p>
             <a:r>
-              <a:rPr lang="zh-CN" altLang="en-US" sz="1600" dirty="0">
+              <a:rPr lang="zh-CN" altLang="en-US" dirty="0">
                 <a:solidFill>
                   <a:schemeClr val="tx1"/>
                 </a:solidFill>
@@ -7680,7 +7812,7 @@
               </a:rPr>
               <a:t>其中方法:				</a:t>
             </a:r>
-            <a:endParaRPr lang="zh-CN" altLang="en-US" sz="1600" dirty="0">
+            <a:endParaRPr lang="zh-CN" altLang="en-US" dirty="0">
               <a:solidFill>
                 <a:schemeClr val="tx1"/>
               </a:solidFill>
@@ -7691,7 +7823,7 @@
           </a:p>
           <a:p>
             <a:r>
-              <a:rPr lang="zh-CN" altLang="en-US" sz="1600" dirty="0">
+              <a:rPr lang="zh-CN" altLang="en-US" dirty="0">
                 <a:solidFill>
                   <a:schemeClr val="tx1"/>
                 </a:solidFill>
@@ -7702,7 +7834,7 @@
               </a:rPr>
               <a:t>    send(DatagramPacket dp)		信箱发送信包</a:t>
             </a:r>
-            <a:endParaRPr lang="zh-CN" altLang="en-US" sz="1600" dirty="0">
+            <a:endParaRPr lang="zh-CN" altLang="en-US" dirty="0">
               <a:solidFill>
                 <a:schemeClr val="tx1"/>
               </a:solidFill>
@@ -7713,7 +7845,7 @@
           </a:p>
           <a:p>
             <a:r>
-              <a:rPr lang="zh-CN" altLang="en-US" sz="1600" dirty="0">
+              <a:rPr lang="zh-CN" altLang="en-US" dirty="0">
                 <a:solidFill>
                   <a:schemeClr val="tx1"/>
                 </a:solidFill>
@@ -7724,7 +7856,7 @@
               </a:rPr>
               <a:t>该方法用于发送报文dp到目的地。</a:t>
             </a:r>
-            <a:endParaRPr lang="zh-CN" altLang="en-US" sz="1600" dirty="0">
+            <a:endParaRPr lang="zh-CN" altLang="en-US" dirty="0">
               <a:solidFill>
                 <a:schemeClr val="tx1"/>
               </a:solidFill>
@@ -7734,7 +7866,7 @@
             </a:endParaRPr>
           </a:p>
           <a:p>
-            <a:endParaRPr lang="zh-CN" altLang="en-US" sz="1600">
+            <a:endParaRPr lang="zh-CN" altLang="en-US">
               <a:solidFill>
                 <a:schemeClr val="tx1"/>
               </a:solidFill>
@@ -7744,7 +7876,7 @@
             </a:endParaRPr>
           </a:p>
           <a:p>
-            <a:endParaRPr lang="zh-CN" altLang="en-US" sz="1600">
+            <a:endParaRPr lang="zh-CN" altLang="en-US">
               <a:solidFill>
                 <a:schemeClr val="tx1"/>
               </a:solidFill>
@@ -7767,247 +7899,6 @@
 </file>
 
 <file path=ppt/slides/slide7.xml><?xml version="1.0" encoding="utf-8"?>
-<p:sld xmlns:a="http://schemas.openxmlformats.org/drawingml/2006/main" xmlns:r="http://schemas.openxmlformats.org/officeDocument/2006/relationships" xmlns:p="http://schemas.openxmlformats.org/presentationml/2006/main">
-  <p:cSld>
-    <p:bg>
-      <p:bgPr>
-        <a:blipFill rotWithShape="1">
-          <a:blip r:embed="rId1"/>
-          <a:stretch>
-            <a:fillRect/>
-          </a:stretch>
-        </a:blipFill>
-        <a:effectLst/>
-      </p:bgPr>
-    </p:bg>
-    <p:spTree>
-      <p:nvGrpSpPr>
-        <p:cNvPr id="1" name=""/>
-        <p:cNvGrpSpPr/>
-        <p:nvPr/>
-      </p:nvGrpSpPr>
-      <p:grpSpPr/>
-      <p:pic>
-        <p:nvPicPr>
-          <p:cNvPr id="133122" name="图片 133121"/>
-          <p:cNvPicPr>
-            <a:picLocks noChangeAspect="1"/>
-          </p:cNvPicPr>
-          <p:nvPr/>
-        </p:nvPicPr>
-        <p:blipFill>
-          <a:blip r:embed="rId2"/>
-          <a:stretch>
-            <a:fillRect/>
-          </a:stretch>
-        </p:blipFill>
-        <p:spPr>
-          <a:xfrm>
-            <a:off x="2638425" y="88265"/>
-            <a:ext cx="6915150" cy="3343275"/>
-          </a:xfrm>
-          <a:prstGeom prst="rect">
-            <a:avLst/>
-          </a:prstGeom>
-          <a:noFill/>
-          <a:ln w="9525">
-            <a:noFill/>
-          </a:ln>
-        </p:spPr>
-      </p:pic>
-      <p:pic>
-        <p:nvPicPr>
-          <p:cNvPr id="133123" name="图片 133122"/>
-          <p:cNvPicPr>
-            <a:picLocks noChangeAspect="1"/>
-          </p:cNvPicPr>
-          <p:nvPr/>
-        </p:nvPicPr>
-        <p:blipFill>
-          <a:blip r:embed="rId3"/>
-          <a:stretch>
-            <a:fillRect/>
-          </a:stretch>
-        </p:blipFill>
-        <p:spPr>
-          <a:xfrm>
-            <a:off x="2638425" y="3445828"/>
-            <a:ext cx="6981825" cy="3294062"/>
-          </a:xfrm>
-          <a:prstGeom prst="rect">
-            <a:avLst/>
-          </a:prstGeom>
-          <a:noFill/>
-          <a:ln w="9525">
-            <a:noFill/>
-          </a:ln>
-        </p:spPr>
-      </p:pic>
-      <p:sp>
-        <p:nvSpPr>
-          <p:cNvPr id="2" name="文本框 1"/>
-          <p:cNvSpPr txBox="1"/>
-          <p:nvPr/>
-        </p:nvSpPr>
-        <p:spPr>
-          <a:xfrm>
-            <a:off x="9765665" y="846455"/>
-            <a:ext cx="2167255" cy="368300"/>
-          </a:xfrm>
-          <a:prstGeom prst="rect">
-            <a:avLst/>
-          </a:prstGeom>
-          <a:noFill/>
-        </p:spPr>
-        <p:txBody>
-          <a:bodyPr wrap="square" rtlCol="0">
-            <a:spAutoFit/>
-          </a:bodyPr>
-          <a:p>
-            <a:r>
-              <a:rPr lang="zh-CN" altLang="en-US">
-                <a:solidFill>
-                  <a:srgbClr val="FF0000"/>
-                </a:solidFill>
-                <a:latin typeface="宋体" panose="02010600030101010101" pitchFamily="2" charset="-122"/>
-                <a:ea typeface="宋体" panose="02010600030101010101" pitchFamily="2" charset="-122"/>
-                <a:cs typeface="宋体" panose="02010600030101010101" pitchFamily="2" charset="-122"/>
-              </a:rPr>
-              <a:t>了解即可</a:t>
-            </a:r>
-            <a:r>
-              <a:rPr lang="en-US" altLang="zh-CN">
-                <a:solidFill>
-                  <a:srgbClr val="FF0000"/>
-                </a:solidFill>
-                <a:latin typeface="宋体" panose="02010600030101010101" pitchFamily="2" charset="-122"/>
-                <a:ea typeface="宋体" panose="02010600030101010101" pitchFamily="2" charset="-122"/>
-                <a:cs typeface="宋体" panose="02010600030101010101" pitchFamily="2" charset="-122"/>
-              </a:rPr>
-              <a:t>,</a:t>
-            </a:r>
-            <a:r>
-              <a:rPr lang="zh-CN" altLang="en-US">
-                <a:solidFill>
-                  <a:srgbClr val="FF0000"/>
-                </a:solidFill>
-                <a:latin typeface="宋体" panose="02010600030101010101" pitchFamily="2" charset="-122"/>
-                <a:ea typeface="宋体" panose="02010600030101010101" pitchFamily="2" charset="-122"/>
-                <a:cs typeface="宋体" panose="02010600030101010101" pitchFamily="2" charset="-122"/>
-              </a:rPr>
-              <a:t>不用练习</a:t>
-            </a:r>
-            <a:endParaRPr lang="zh-CN" altLang="en-US">
-              <a:solidFill>
-                <a:srgbClr val="FF0000"/>
-              </a:solidFill>
-              <a:latin typeface="宋体" panose="02010600030101010101" pitchFamily="2" charset="-122"/>
-              <a:ea typeface="宋体" panose="02010600030101010101" pitchFamily="2" charset="-122"/>
-              <a:cs typeface="宋体" panose="02010600030101010101" pitchFamily="2" charset="-122"/>
-            </a:endParaRPr>
-          </a:p>
-        </p:txBody>
-      </p:sp>
-    </p:spTree>
-    <p:custDataLst>
-      <p:tags r:id="rId4"/>
-    </p:custDataLst>
-  </p:cSld>
-  <p:clrMapOvr>
-    <a:masterClrMapping/>
-  </p:clrMapOvr>
-</p:sld>
-</file>
-
-<file path=ppt/slides/slide8.xml><?xml version="1.0" encoding="utf-8"?>
-<p:sld xmlns:a="http://schemas.openxmlformats.org/drawingml/2006/main" xmlns:r="http://schemas.openxmlformats.org/officeDocument/2006/relationships" xmlns:p="http://schemas.openxmlformats.org/presentationml/2006/main">
-  <p:cSld>
-    <p:bg>
-      <p:bgPr>
-        <a:blipFill rotWithShape="1">
-          <a:blip r:embed="rId1"/>
-          <a:stretch>
-            <a:fillRect/>
-          </a:stretch>
-        </a:blipFill>
-        <a:effectLst/>
-      </p:bgPr>
-    </p:bg>
-    <p:spTree>
-      <p:nvGrpSpPr>
-        <p:cNvPr id="1" name=""/>
-        <p:cNvGrpSpPr/>
-        <p:nvPr/>
-      </p:nvGrpSpPr>
-      <p:grpSpPr/>
-      <p:pic>
-        <p:nvPicPr>
-          <p:cNvPr id="134146" name="图片 134145"/>
-          <p:cNvPicPr>
-            <a:picLocks noChangeAspect="1"/>
-          </p:cNvPicPr>
-          <p:nvPr/>
-        </p:nvPicPr>
-        <p:blipFill>
-          <a:blip r:embed="rId2"/>
-          <a:stretch>
-            <a:fillRect/>
-          </a:stretch>
-        </p:blipFill>
-        <p:spPr>
-          <a:xfrm>
-            <a:off x="2927350" y="56515"/>
-            <a:ext cx="6947535" cy="3815715"/>
-          </a:xfrm>
-          <a:prstGeom prst="rect">
-            <a:avLst/>
-          </a:prstGeom>
-          <a:noFill/>
-          <a:ln w="9525">
-            <a:noFill/>
-          </a:ln>
-        </p:spPr>
-      </p:pic>
-      <p:pic>
-        <p:nvPicPr>
-          <p:cNvPr id="134147" name="图片 134146"/>
-          <p:cNvPicPr>
-            <a:picLocks noChangeAspect="1"/>
-          </p:cNvPicPr>
-          <p:nvPr/>
-        </p:nvPicPr>
-        <p:blipFill>
-          <a:blip r:embed="rId3"/>
-          <a:stretch>
-            <a:fillRect/>
-          </a:stretch>
-        </p:blipFill>
-        <p:spPr>
-          <a:xfrm>
-            <a:off x="2924810" y="3870960"/>
-            <a:ext cx="6938645" cy="2964180"/>
-          </a:xfrm>
-          <a:prstGeom prst="rect">
-            <a:avLst/>
-          </a:prstGeom>
-          <a:noFill/>
-          <a:ln w="9525">
-            <a:noFill/>
-          </a:ln>
-        </p:spPr>
-      </p:pic>
-    </p:spTree>
-    <p:custDataLst>
-      <p:tags r:id="rId4"/>
-    </p:custDataLst>
-  </p:cSld>
-  <p:clrMapOvr>
-    <a:masterClrMapping/>
-  </p:clrMapOvr>
-</p:sld>
-</file>
-
-<file path=ppt/slides/slide9.xml><?xml version="1.0" encoding="utf-8"?>
 <p:sld xmlns:a="http://schemas.openxmlformats.org/drawingml/2006/main" xmlns:r="http://schemas.openxmlformats.org/officeDocument/2006/relationships" xmlns:p="http://schemas.openxmlformats.org/presentationml/2006/main">
   <p:cSld>
     <p:bg>
@@ -8039,6 +7930,38 @@
 </p:sld>
 </file>
 
+<file path=ppt/slides/slide8.xml><?xml version="1.0" encoding="utf-8"?>
+<p:sld xmlns:a="http://schemas.openxmlformats.org/drawingml/2006/main" xmlns:r="http://schemas.openxmlformats.org/officeDocument/2006/relationships" xmlns:p="http://schemas.openxmlformats.org/presentationml/2006/main">
+  <p:cSld>
+    <p:bg>
+      <p:bgPr>
+        <a:blipFill rotWithShape="1">
+          <a:blip r:embed="rId1"/>
+          <a:stretch>
+            <a:fillRect/>
+          </a:stretch>
+        </a:blipFill>
+        <a:effectLst/>
+      </p:bgPr>
+    </p:bg>
+    <p:spTree>
+      <p:nvGrpSpPr>
+        <p:cNvPr id="1" name=""/>
+        <p:cNvGrpSpPr/>
+        <p:nvPr/>
+      </p:nvGrpSpPr>
+      <p:grpSpPr/>
+    </p:spTree>
+    <p:custDataLst>
+      <p:tags r:id="rId2"/>
+    </p:custDataLst>
+  </p:cSld>
+  <p:clrMapOvr>
+    <a:masterClrMapping/>
+  </p:clrMapOvr>
+</p:sld>
+</file>
+
 <file path=ppt/tags/tag1.xml><?xml version="1.0" encoding="utf-8"?>
 <p:tagLst xmlns:p="http://schemas.openxmlformats.org/presentationml/2006/main">
   <p:tag name="KSO_WM_UNIT_HIGHLIGHT" val="0"/>
@@ -9113,24 +9036,6 @@
 </file>
 
 <file path=ppt/tags/tag85.xml><?xml version="1.0" encoding="utf-8"?>
-<p:tagLst xmlns:p="http://schemas.openxmlformats.org/presentationml/2006/main">
-  <p:tag name="KSO_WM_BEAUTIFY_FLAG" val="#wm#"/>
-  <p:tag name="KSO_WM_TEMPLATE_CATEGORY" val="custom"/>
-  <p:tag name="KSO_WM_TEMPLATE_INDEX" val="20203858"/>
-  <p:tag name="KSO_WM_SPECIAL_SOURCE" val="bdnull"/>
-</p:tagLst>
-</file>
-
-<file path=ppt/tags/tag86.xml><?xml version="1.0" encoding="utf-8"?>
-<p:tagLst xmlns:p="http://schemas.openxmlformats.org/presentationml/2006/main">
-  <p:tag name="KSO_WM_BEAUTIFY_FLAG" val="#wm#"/>
-  <p:tag name="KSO_WM_TEMPLATE_CATEGORY" val="custom"/>
-  <p:tag name="KSO_WM_TEMPLATE_INDEX" val="20203858"/>
-  <p:tag name="KSO_WM_SPECIAL_SOURCE" val="bdnull"/>
-</p:tagLst>
-</file>
-
-<file path=ppt/tags/tag87.xml><?xml version="1.0" encoding="utf-8"?>
 <p:tagLst xmlns:p="http://schemas.openxmlformats.org/presentationml/2006/main">
   <p:tag name="KSO_WM_BEAUTIFY_FLAG" val="#wm#"/>
   <p:tag name="KSO_WM_TEMPLATE_CATEGORY" val="custom"/>

--- a/基础PPT/第15章：Java网络编程.pptx
+++ b/基础PPT/第15章：Java网络编程.pptx
@@ -6772,7 +6772,7 @@
                 <a:ea typeface="宋体" panose="02010600030101010101" pitchFamily="2" charset="-122"/>
                 <a:cs typeface="宋体" panose="02010600030101010101" pitchFamily="2" charset="-122"/>
               </a:rPr>
-              <a:t>socket可以使一个应用从网络中读取和写入数据</a:t>
+              <a:t>Socket(套接字) 可以使一个应用从网络中读取和写入数据</a:t>
             </a:r>
             <a:r>
               <a:rPr lang="zh-CN" altLang="en-US" sz="1600">
@@ -7634,7 +7634,31 @@
                 <a:cs typeface="宋体" panose="02010600030101010101" pitchFamily="2" charset="-122"/>
                 <a:sym typeface="+mn-ea"/>
               </a:rPr>
-              <a:t>DatagramSocke用于接收和发送UDP的Socket实例 。</a:t>
+              <a:t>DatagramSocke</a:t>
+            </a:r>
+            <a:r>
+              <a:rPr lang="en-US" altLang="zh-CN" dirty="0">
+                <a:solidFill>
+                  <a:schemeClr val="tx1"/>
+                </a:solidFill>
+                <a:latin typeface="宋体" panose="02010600030101010101" pitchFamily="2" charset="-122"/>
+                <a:ea typeface="宋体" panose="02010600030101010101" pitchFamily="2" charset="-122"/>
+                <a:cs typeface="宋体" panose="02010600030101010101" pitchFamily="2" charset="-122"/>
+                <a:sym typeface="+mn-ea"/>
+              </a:rPr>
+              <a:t>t </a:t>
+            </a:r>
+            <a:r>
+              <a:rPr lang="zh-CN" altLang="en-US" dirty="0">
+                <a:solidFill>
+                  <a:schemeClr val="tx1"/>
+                </a:solidFill>
+                <a:latin typeface="宋体" panose="02010600030101010101" pitchFamily="2" charset="-122"/>
+                <a:ea typeface="宋体" panose="02010600030101010101" pitchFamily="2" charset="-122"/>
+                <a:cs typeface="宋体" panose="02010600030101010101" pitchFamily="2" charset="-122"/>
+                <a:sym typeface="+mn-ea"/>
+              </a:rPr>
+              <a:t>用于接收和发送UDP的Socket实例 。</a:t>
             </a:r>
             <a:endParaRPr lang="zh-CN" altLang="en-US" dirty="0">
               <a:solidFill>
